--- a/lecture-materials/Network&ContentDelivery/aws_cloud_wan/aws_cloud_wan.pptx
+++ b/lecture-materials/Network&ContentDelivery/aws_cloud_wan/aws_cloud_wan.pptx
@@ -266,7 +266,7 @@
           <a:p>
             <a:fld id="{F4D57BDD-E64A-4D27-8978-82FFCA18A12C}" type="datetimeFigureOut">
               <a:rPr lang="en-US" smtClean="0"/>
-              <a:t>1/9/24</a:t>
+              <a:t>1/17/24</a:t>
             </a:fld>
             <a:endParaRPr lang="en-US"/>
           </a:p>
@@ -466,7 +466,7 @@
           <a:p>
             <a:fld id="{F4D57BDD-E64A-4D27-8978-82FFCA18A12C}" type="datetimeFigureOut">
               <a:rPr lang="en-US" smtClean="0"/>
-              <a:t>1/9/24</a:t>
+              <a:t>1/17/24</a:t>
             </a:fld>
             <a:endParaRPr lang="en-US"/>
           </a:p>
@@ -676,7 +676,7 @@
           <a:p>
             <a:fld id="{F4D57BDD-E64A-4D27-8978-82FFCA18A12C}" type="datetimeFigureOut">
               <a:rPr lang="en-US" smtClean="0"/>
-              <a:t>1/9/24</a:t>
+              <a:t>1/17/24</a:t>
             </a:fld>
             <a:endParaRPr lang="en-US"/>
           </a:p>
@@ -876,7 +876,7 @@
           <a:p>
             <a:fld id="{F4D57BDD-E64A-4D27-8978-82FFCA18A12C}" type="datetimeFigureOut">
               <a:rPr lang="en-US" smtClean="0"/>
-              <a:t>1/9/24</a:t>
+              <a:t>1/17/24</a:t>
             </a:fld>
             <a:endParaRPr lang="en-US"/>
           </a:p>
@@ -1152,7 +1152,7 @@
           <a:p>
             <a:fld id="{F4D57BDD-E64A-4D27-8978-82FFCA18A12C}" type="datetimeFigureOut">
               <a:rPr lang="en-US" smtClean="0"/>
-              <a:t>1/9/24</a:t>
+              <a:t>1/17/24</a:t>
             </a:fld>
             <a:endParaRPr lang="en-US"/>
           </a:p>
@@ -1420,7 +1420,7 @@
           <a:p>
             <a:fld id="{F4D57BDD-E64A-4D27-8978-82FFCA18A12C}" type="datetimeFigureOut">
               <a:rPr lang="en-US" smtClean="0"/>
-              <a:t>1/9/24</a:t>
+              <a:t>1/17/24</a:t>
             </a:fld>
             <a:endParaRPr lang="en-US"/>
           </a:p>
@@ -1835,7 +1835,7 @@
           <a:p>
             <a:fld id="{F4D57BDD-E64A-4D27-8978-82FFCA18A12C}" type="datetimeFigureOut">
               <a:rPr lang="en-US" smtClean="0"/>
-              <a:t>1/9/24</a:t>
+              <a:t>1/17/24</a:t>
             </a:fld>
             <a:endParaRPr lang="en-US"/>
           </a:p>
@@ -1977,7 +1977,7 @@
           <a:p>
             <a:fld id="{F4D57BDD-E64A-4D27-8978-82FFCA18A12C}" type="datetimeFigureOut">
               <a:rPr lang="en-US" smtClean="0"/>
-              <a:t>1/9/24</a:t>
+              <a:t>1/17/24</a:t>
             </a:fld>
             <a:endParaRPr lang="en-US"/>
           </a:p>
@@ -2090,7 +2090,7 @@
           <a:p>
             <a:fld id="{F4D57BDD-E64A-4D27-8978-82FFCA18A12C}" type="datetimeFigureOut">
               <a:rPr lang="en-US" smtClean="0"/>
-              <a:t>1/9/24</a:t>
+              <a:t>1/17/24</a:t>
             </a:fld>
             <a:endParaRPr lang="en-US"/>
           </a:p>
@@ -2403,7 +2403,7 @@
           <a:p>
             <a:fld id="{F4D57BDD-E64A-4D27-8978-82FFCA18A12C}" type="datetimeFigureOut">
               <a:rPr lang="en-US" smtClean="0"/>
-              <a:t>1/9/24</a:t>
+              <a:t>1/17/24</a:t>
             </a:fld>
             <a:endParaRPr lang="en-US"/>
           </a:p>
@@ -2692,7 +2692,7 @@
           <a:p>
             <a:fld id="{F4D57BDD-E64A-4D27-8978-82FFCA18A12C}" type="datetimeFigureOut">
               <a:rPr lang="en-US" smtClean="0"/>
-              <a:t>1/9/24</a:t>
+              <a:t>1/17/24</a:t>
             </a:fld>
             <a:endParaRPr lang="en-US"/>
           </a:p>
@@ -2936,7 +2936,7 @@
             <a:fld id="{F4D57BDD-E64A-4D27-8978-82FFCA18A12C}" type="datetimeFigureOut">
               <a:rPr lang="en-US" smtClean="0"/>
               <a:pPr/>
-              <a:t>1/9/24</a:t>
+              <a:t>1/17/24</a:t>
             </a:fld>
             <a:endParaRPr lang="en-US" dirty="0"/>
           </a:p>
@@ -6487,15 +6487,36 @@
           <a:lstStyle/>
           <a:p>
             <a:r>
-              <a:rPr lang="en-GB" sz="1700" b="0" i="0">
+              <a:rPr lang="en-GB" sz="1700" b="1" i="0" dirty="0">
                 <a:effectLst/>
+                <a:highlight>
+                  <a:srgbClr val="00FF00"/>
+                </a:highlight>
               </a:rPr>
-              <a:t>AWS Cloud WAN provides a central dashboard for making connections between your branch offices, data centers, and Amazon Virtual Private Clouds (Amazon VPCs)—building a global network with only a few clicks. </a:t>
-            </a:r>
-          </a:p>
-          <a:p>
-            <a:r>
-              <a:rPr lang="en-GB" sz="1700" b="0" i="0">
+              <a:t>AWS Cloud WAN provides a central dashboard for making connections between your branch offices, data </a:t>
+            </a:r>
+            <a:r>
+              <a:rPr lang="en-GB" sz="1700" b="1" i="0" dirty="0" err="1">
+                <a:effectLst/>
+                <a:highlight>
+                  <a:srgbClr val="00FF00"/>
+                </a:highlight>
+              </a:rPr>
+              <a:t>centers</a:t>
+            </a:r>
+            <a:r>
+              <a:rPr lang="en-GB" sz="1700" b="1" i="0" dirty="0">
+                <a:effectLst/>
+                <a:highlight>
+                  <a:srgbClr val="00FF00"/>
+                </a:highlight>
+              </a:rPr>
+              <a:t>, and Amazon Virtual Private Clouds (Amazon VPCs)—building a global network with only a few clicks. </a:t>
+            </a:r>
+          </a:p>
+          <a:p>
+            <a:r>
+              <a:rPr lang="en-GB" sz="1700" b="0" i="0" dirty="0">
                 <a:effectLst/>
               </a:rPr>
               <a:t>You use network policies to automate network management and security tasks in one location. </a:t>
@@ -6503,12 +6524,12 @@
           </a:p>
           <a:p>
             <a:r>
-              <a:rPr lang="en-GB" sz="1700" b="0" i="0">
+              <a:rPr lang="en-GB" sz="1700" b="0" i="0" dirty="0">
                 <a:effectLst/>
               </a:rPr>
               <a:t>Cloud WAN generates a complete view of your on-premises and AWS networks to help you monitor network health, security, and performance.</a:t>
             </a:r>
-            <a:endParaRPr lang="en-CH" sz="1700"/>
+            <a:endParaRPr lang="en-CH" sz="1700" dirty="0"/>
           </a:p>
         </p:txBody>
       </p:sp>
